--- a/sensor.pptx
+++ b/sensor.pptx
@@ -115,7 +115,7 @@
 <file path=ppt/revisionInfo.xml><?xml version="1.0" encoding="utf-8"?>
 <p1510:revInfo xmlns:a="http://schemas.openxmlformats.org/drawingml/2006/main" xmlns:r="http://schemas.openxmlformats.org/officeDocument/2006/relationships" xmlns:p1510="http://schemas.microsoft.com/office/powerpoint/2015/10/main">
   <p1510:revLst>
-    <p1510:client id="{D753A0D8-CD7E-47DB-A108-A3A59D6D9639}" v="52" dt="2020-03-24T22:03:00.588"/>
+    <p1510:client id="{D753A0D8-CD7E-47DB-A108-A3A59D6D9639}" v="54" dt="2020-03-26T13:49:01.648"/>
   </p1510:revLst>
 </p1510:revInfo>
 </file>
@@ -125,16 +125,24 @@
   <pc:docChgLst>
     <pc:chgData name="Jan.Franck@bwedu.de" userId="a77157e1-3257-4f88-8723-6bd35d01b01d" providerId="ADAL" clId="{D753A0D8-CD7E-47DB-A108-A3A59D6D9639}"/>
     <pc:docChg chg="undo custSel modSld">
-      <pc:chgData name="Jan.Franck@bwedu.de" userId="a77157e1-3257-4f88-8723-6bd35d01b01d" providerId="ADAL" clId="{D753A0D8-CD7E-47DB-A108-A3A59D6D9639}" dt="2020-03-24T22:21:30.138" v="467" actId="1076"/>
+      <pc:chgData name="Jan.Franck@bwedu.de" userId="a77157e1-3257-4f88-8723-6bd35d01b01d" providerId="ADAL" clId="{D753A0D8-CD7E-47DB-A108-A3A59D6D9639}" dt="2020-03-26T13:49:41.620" v="542" actId="1076"/>
       <pc:docMkLst>
         <pc:docMk/>
       </pc:docMkLst>
       <pc:sldChg chg="addSp delSp modSp mod">
-        <pc:chgData name="Jan.Franck@bwedu.de" userId="a77157e1-3257-4f88-8723-6bd35d01b01d" providerId="ADAL" clId="{D753A0D8-CD7E-47DB-A108-A3A59D6D9639}" dt="2020-03-24T22:21:30.138" v="467" actId="1076"/>
+        <pc:chgData name="Jan.Franck@bwedu.de" userId="a77157e1-3257-4f88-8723-6bd35d01b01d" providerId="ADAL" clId="{D753A0D8-CD7E-47DB-A108-A3A59D6D9639}" dt="2020-03-26T13:49:41.620" v="542" actId="1076"/>
         <pc:sldMkLst>
           <pc:docMk/>
           <pc:sldMk cId="606841443" sldId="256"/>
         </pc:sldMkLst>
+        <pc:spChg chg="add mod">
+          <ac:chgData name="Jan.Franck@bwedu.de" userId="a77157e1-3257-4f88-8723-6bd35d01b01d" providerId="ADAL" clId="{D753A0D8-CD7E-47DB-A108-A3A59D6D9639}" dt="2020-03-26T13:49:41.620" v="542" actId="1076"/>
+          <ac:spMkLst>
+            <pc:docMk/>
+            <pc:sldMk cId="606841443" sldId="256"/>
+            <ac:spMk id="86" creationId="{3E5AC1F9-6EDF-4F69-9FDF-5342D376D5B3}"/>
+          </ac:spMkLst>
+        </pc:spChg>
         <pc:spChg chg="add mod">
           <ac:chgData name="Jan.Franck@bwedu.de" userId="a77157e1-3257-4f88-8723-6bd35d01b01d" providerId="ADAL" clId="{D753A0D8-CD7E-47DB-A108-A3A59D6D9639}" dt="2020-03-24T21:52:16.074" v="239" actId="1035"/>
           <ac:spMkLst>
@@ -207,12 +215,28 @@
             <ac:spMk id="233" creationId="{D4C489F5-27F8-45CD-8716-1C736DE2607B}"/>
           </ac:spMkLst>
         </pc:spChg>
+        <pc:picChg chg="add mod ord modCrop">
+          <ac:chgData name="Jan.Franck@bwedu.de" userId="a77157e1-3257-4f88-8723-6bd35d01b01d" providerId="ADAL" clId="{D753A0D8-CD7E-47DB-A108-A3A59D6D9639}" dt="2020-03-26T13:48:09.955" v="486" actId="1076"/>
+          <ac:picMkLst>
+            <pc:docMk/>
+            <pc:sldMk cId="606841443" sldId="256"/>
+            <ac:picMk id="2" creationId="{ABCA172E-4A2E-4DE3-89FC-5DF81343EAC8}"/>
+          </ac:picMkLst>
+        </pc:picChg>
         <pc:picChg chg="mod">
           <ac:chgData name="Jan.Franck@bwedu.de" userId="a77157e1-3257-4f88-8723-6bd35d01b01d" providerId="ADAL" clId="{D753A0D8-CD7E-47DB-A108-A3A59D6D9639}" dt="2020-03-24T21:32:22.140" v="0" actId="688"/>
           <ac:picMkLst>
             <pc:docMk/>
             <pc:sldMk cId="606841443" sldId="256"/>
             <ac:picMk id="6" creationId="{3959F832-97CD-4C5E-8397-36D937ECB8AF}"/>
+          </ac:picMkLst>
+        </pc:picChg>
+        <pc:picChg chg="ord">
+          <ac:chgData name="Jan.Franck@bwedu.de" userId="a77157e1-3257-4f88-8723-6bd35d01b01d" providerId="ADAL" clId="{D753A0D8-CD7E-47DB-A108-A3A59D6D9639}" dt="2020-03-26T13:47:55.390" v="481" actId="167"/>
+          <ac:picMkLst>
+            <pc:docMk/>
+            <pc:sldMk cId="606841443" sldId="256"/>
+            <ac:picMk id="7" creationId="{39C511C0-574B-4027-9A40-5A3CAF770420}"/>
           </ac:picMkLst>
         </pc:picChg>
         <pc:picChg chg="mod">
@@ -248,6 +272,22 @@
           </ac:picMkLst>
         </pc:picChg>
         <pc:cxnChg chg="mod">
+          <ac:chgData name="Jan.Franck@bwedu.de" userId="a77157e1-3257-4f88-8723-6bd35d01b01d" providerId="ADAL" clId="{D753A0D8-CD7E-47DB-A108-A3A59D6D9639}" dt="2020-03-26T13:48:22.283" v="489" actId="14100"/>
+          <ac:cxnSpMkLst>
+            <pc:docMk/>
+            <pc:sldMk cId="606841443" sldId="256"/>
+            <ac:cxnSpMk id="15" creationId="{410A8F4C-FF06-43C4-BB04-B11DA90C5D62}"/>
+          </ac:cxnSpMkLst>
+        </pc:cxnChg>
+        <pc:cxnChg chg="mod">
+          <ac:chgData name="Jan.Franck@bwedu.de" userId="a77157e1-3257-4f88-8723-6bd35d01b01d" providerId="ADAL" clId="{D753A0D8-CD7E-47DB-A108-A3A59D6D9639}" dt="2020-03-26T13:48:36.037" v="495" actId="14100"/>
+          <ac:cxnSpMkLst>
+            <pc:docMk/>
+            <pc:sldMk cId="606841443" sldId="256"/>
+            <ac:cxnSpMk id="16" creationId="{FD67F441-377D-4098-98D4-DD5AA509F02F}"/>
+          </ac:cxnSpMkLst>
+        </pc:cxnChg>
+        <pc:cxnChg chg="mod">
           <ac:chgData name="Jan.Franck@bwedu.de" userId="a77157e1-3257-4f88-8723-6bd35d01b01d" providerId="ADAL" clId="{D753A0D8-CD7E-47DB-A108-A3A59D6D9639}" dt="2020-03-24T22:20:53.634" v="462" actId="693"/>
           <ac:cxnSpMkLst>
             <pc:docMk/>
@@ -272,15 +312,15 @@
           </ac:cxnSpMkLst>
         </pc:cxnChg>
         <pc:cxnChg chg="mod">
-          <ac:chgData name="Jan.Franck@bwedu.de" userId="a77157e1-3257-4f88-8723-6bd35d01b01d" providerId="ADAL" clId="{D753A0D8-CD7E-47DB-A108-A3A59D6D9639}" dt="2020-03-24T21:32:55.471" v="13" actId="14100"/>
+          <ac:chgData name="Jan.Franck@bwedu.de" userId="a77157e1-3257-4f88-8723-6bd35d01b01d" providerId="ADAL" clId="{D753A0D8-CD7E-47DB-A108-A3A59D6D9639}" dt="2020-03-26T13:48:47.277" v="497" actId="14100"/>
           <ac:cxnSpMkLst>
             <pc:docMk/>
             <pc:sldMk cId="606841443" sldId="256"/>
             <ac:cxnSpMk id="39" creationId="{C45D4698-44A2-42FB-9A73-869250F83C90}"/>
           </ac:cxnSpMkLst>
         </pc:cxnChg>
-        <pc:cxnChg chg="mod">
-          <ac:chgData name="Jan.Franck@bwedu.de" userId="a77157e1-3257-4f88-8723-6bd35d01b01d" providerId="ADAL" clId="{D753A0D8-CD7E-47DB-A108-A3A59D6D9639}" dt="2020-03-24T21:32:51.801" v="12" actId="1076"/>
+        <pc:cxnChg chg="del mod">
+          <ac:chgData name="Jan.Franck@bwedu.de" userId="a77157e1-3257-4f88-8723-6bd35d01b01d" providerId="ADAL" clId="{D753A0D8-CD7E-47DB-A108-A3A59D6D9639}" dt="2020-03-26T13:48:42.897" v="496" actId="478"/>
           <ac:cxnSpMkLst>
             <pc:docMk/>
             <pc:sldMk cId="606841443" sldId="256"/>
@@ -288,7 +328,7 @@
           </ac:cxnSpMkLst>
         </pc:cxnChg>
         <pc:cxnChg chg="mod">
-          <ac:chgData name="Jan.Franck@bwedu.de" userId="a77157e1-3257-4f88-8723-6bd35d01b01d" providerId="ADAL" clId="{D753A0D8-CD7E-47DB-A108-A3A59D6D9639}" dt="2020-03-24T21:32:57.889" v="14" actId="14100"/>
+          <ac:chgData name="Jan.Franck@bwedu.de" userId="a77157e1-3257-4f88-8723-6bd35d01b01d" providerId="ADAL" clId="{D753A0D8-CD7E-47DB-A108-A3A59D6D9639}" dt="2020-03-26T13:48:50.017" v="498" actId="14100"/>
           <ac:cxnSpMkLst>
             <pc:docMk/>
             <pc:sldMk cId="606841443" sldId="256"/>
@@ -360,7 +400,7 @@
           </ac:cxnSpMkLst>
         </pc:cxnChg>
         <pc:cxnChg chg="add mod">
-          <ac:chgData name="Jan.Franck@bwedu.de" userId="a77157e1-3257-4f88-8723-6bd35d01b01d" providerId="ADAL" clId="{D753A0D8-CD7E-47DB-A108-A3A59D6D9639}" dt="2020-03-24T21:34:46.342" v="48" actId="208"/>
+          <ac:chgData name="Jan.Franck@bwedu.de" userId="a77157e1-3257-4f88-8723-6bd35d01b01d" providerId="ADAL" clId="{D753A0D8-CD7E-47DB-A108-A3A59D6D9639}" dt="2020-03-26T13:47:32.171" v="474" actId="1076"/>
           <ac:cxnSpMkLst>
             <pc:docMk/>
             <pc:sldMk cId="606841443" sldId="256"/>
@@ -848,7 +888,7 @@
           <a:p>
             <a:fld id="{7E3A153A-8CE5-4A22-BD09-DA1AD433DDFD}" type="datetimeFigureOut">
               <a:rPr lang="de-DE" smtClean="0"/>
-              <a:t>24.03.2020</a:t>
+              <a:t>26.03.2020</a:t>
             </a:fld>
             <a:endParaRPr lang="de-DE"/>
           </a:p>
@@ -1046,7 +1086,7 @@
           <a:p>
             <a:fld id="{7E3A153A-8CE5-4A22-BD09-DA1AD433DDFD}" type="datetimeFigureOut">
               <a:rPr lang="de-DE" smtClean="0"/>
-              <a:t>24.03.2020</a:t>
+              <a:t>26.03.2020</a:t>
             </a:fld>
             <a:endParaRPr lang="de-DE"/>
           </a:p>
@@ -1254,7 +1294,7 @@
           <a:p>
             <a:fld id="{7E3A153A-8CE5-4A22-BD09-DA1AD433DDFD}" type="datetimeFigureOut">
               <a:rPr lang="de-DE" smtClean="0"/>
-              <a:t>24.03.2020</a:t>
+              <a:t>26.03.2020</a:t>
             </a:fld>
             <a:endParaRPr lang="de-DE"/>
           </a:p>
@@ -1452,7 +1492,7 @@
           <a:p>
             <a:fld id="{7E3A153A-8CE5-4A22-BD09-DA1AD433DDFD}" type="datetimeFigureOut">
               <a:rPr lang="de-DE" smtClean="0"/>
-              <a:t>24.03.2020</a:t>
+              <a:t>26.03.2020</a:t>
             </a:fld>
             <a:endParaRPr lang="de-DE"/>
           </a:p>
@@ -1727,7 +1767,7 @@
           <a:p>
             <a:fld id="{7E3A153A-8CE5-4A22-BD09-DA1AD433DDFD}" type="datetimeFigureOut">
               <a:rPr lang="de-DE" smtClean="0"/>
-              <a:t>24.03.2020</a:t>
+              <a:t>26.03.2020</a:t>
             </a:fld>
             <a:endParaRPr lang="de-DE"/>
           </a:p>
@@ -1992,7 +2032,7 @@
           <a:p>
             <a:fld id="{7E3A153A-8CE5-4A22-BD09-DA1AD433DDFD}" type="datetimeFigureOut">
               <a:rPr lang="de-DE" smtClean="0"/>
-              <a:t>24.03.2020</a:t>
+              <a:t>26.03.2020</a:t>
             </a:fld>
             <a:endParaRPr lang="de-DE"/>
           </a:p>
@@ -2404,7 +2444,7 @@
           <a:p>
             <a:fld id="{7E3A153A-8CE5-4A22-BD09-DA1AD433DDFD}" type="datetimeFigureOut">
               <a:rPr lang="de-DE" smtClean="0"/>
-              <a:t>24.03.2020</a:t>
+              <a:t>26.03.2020</a:t>
             </a:fld>
             <a:endParaRPr lang="de-DE"/>
           </a:p>
@@ -2545,7 +2585,7 @@
           <a:p>
             <a:fld id="{7E3A153A-8CE5-4A22-BD09-DA1AD433DDFD}" type="datetimeFigureOut">
               <a:rPr lang="de-DE" smtClean="0"/>
-              <a:t>24.03.2020</a:t>
+              <a:t>26.03.2020</a:t>
             </a:fld>
             <a:endParaRPr lang="de-DE"/>
           </a:p>
@@ -2658,7 +2698,7 @@
           <a:p>
             <a:fld id="{7E3A153A-8CE5-4A22-BD09-DA1AD433DDFD}" type="datetimeFigureOut">
               <a:rPr lang="de-DE" smtClean="0"/>
-              <a:t>24.03.2020</a:t>
+              <a:t>26.03.2020</a:t>
             </a:fld>
             <a:endParaRPr lang="de-DE"/>
           </a:p>
@@ -2969,7 +3009,7 @@
           <a:p>
             <a:fld id="{7E3A153A-8CE5-4A22-BD09-DA1AD433DDFD}" type="datetimeFigureOut">
               <a:rPr lang="de-DE" smtClean="0"/>
-              <a:t>24.03.2020</a:t>
+              <a:t>26.03.2020</a:t>
             </a:fld>
             <a:endParaRPr lang="de-DE"/>
           </a:p>
@@ -3257,7 +3297,7 @@
           <a:p>
             <a:fld id="{7E3A153A-8CE5-4A22-BD09-DA1AD433DDFD}" type="datetimeFigureOut">
               <a:rPr lang="de-DE" smtClean="0"/>
-              <a:t>24.03.2020</a:t>
+              <a:t>26.03.2020</a:t>
             </a:fld>
             <a:endParaRPr lang="de-DE"/>
           </a:p>
@@ -3498,7 +3538,7 @@
           <a:p>
             <a:fld id="{7E3A153A-8CE5-4A22-BD09-DA1AD433DDFD}" type="datetimeFigureOut">
               <a:rPr lang="de-DE" smtClean="0"/>
-              <a:t>24.03.2020</a:t>
+              <a:t>26.03.2020</a:t>
             </a:fld>
             <a:endParaRPr lang="de-DE"/>
           </a:p>
@@ -3917,10 +3957,10 @@
       </p:grpSpPr>
       <p:pic>
         <p:nvPicPr>
-          <p:cNvPr id="176" name="Grafik 175">
-            <a:extLst>
-              <a:ext uri="{FF2B5EF4-FFF2-40B4-BE49-F238E27FC236}">
-                <a16:creationId xmlns:a16="http://schemas.microsoft.com/office/drawing/2014/main" id="{946344F5-A755-4B78-884B-E6865C725D36}"/>
+          <p:cNvPr id="7" name="Grafik 6">
+            <a:extLst>
+              <a:ext uri="{FF2B5EF4-FFF2-40B4-BE49-F238E27FC236}">
+                <a16:creationId xmlns:a16="http://schemas.microsoft.com/office/drawing/2014/main" id="{39C511C0-574B-4027-9A40-5A3CAF770420}"/>
               </a:ext>
             </a:extLst>
           </p:cNvPr>
@@ -3937,8 +3977,8 @@
         </p:blipFill>
         <p:spPr>
           <a:xfrm>
-            <a:off x="8486693" y="4147116"/>
-            <a:ext cx="2333625" cy="2657475"/>
+            <a:off x="1616066" y="195747"/>
+            <a:ext cx="1763823" cy="1679608"/>
           </a:xfrm>
           <a:prstGeom prst="rect">
             <a:avLst/>
@@ -3947,10 +3987,10 @@
       </p:pic>
       <p:pic>
         <p:nvPicPr>
-          <p:cNvPr id="13" name="Grafik 12">
-            <a:extLst>
-              <a:ext uri="{FF2B5EF4-FFF2-40B4-BE49-F238E27FC236}">
-                <a16:creationId xmlns:a16="http://schemas.microsoft.com/office/drawing/2014/main" id="{31484349-3960-4AAE-BD39-B7529B638458}"/>
+          <p:cNvPr id="2" name="Grafik 1">
+            <a:extLst>
+              <a:ext uri="{FF2B5EF4-FFF2-40B4-BE49-F238E27FC236}">
+                <a16:creationId xmlns:a16="http://schemas.microsoft.com/office/drawing/2014/main" id="{ABCA172E-4A2E-4DE3-89FC-5DF81343EAC8}"/>
               </a:ext>
             </a:extLst>
           </p:cNvPr>
@@ -3961,13 +4001,13 @@
         </p:nvPicPr>
         <p:blipFill rotWithShape="1">
           <a:blip r:embed="rId3"/>
-          <a:srcRect l="4165" r="1938"/>
+          <a:srcRect l="6406"/>
           <a:stretch/>
         </p:blipFill>
         <p:spPr>
-          <a:xfrm rot="13462443">
-            <a:off x="8394468" y="589913"/>
-            <a:ext cx="3485366" cy="2711037"/>
+          <a:xfrm>
+            <a:off x="3023196" y="329672"/>
+            <a:ext cx="557621" cy="712925"/>
           </a:xfrm>
           <a:prstGeom prst="rect">
             <a:avLst/>
@@ -3976,10 +4016,10 @@
       </p:pic>
       <p:pic>
         <p:nvPicPr>
-          <p:cNvPr id="6" name="Grafik 5">
-            <a:extLst>
-              <a:ext uri="{FF2B5EF4-FFF2-40B4-BE49-F238E27FC236}">
-                <a16:creationId xmlns:a16="http://schemas.microsoft.com/office/drawing/2014/main" id="{3959F832-97CD-4C5E-8397-36D937ECB8AF}"/>
+          <p:cNvPr id="176" name="Grafik 175">
+            <a:extLst>
+              <a:ext uri="{FF2B5EF4-FFF2-40B4-BE49-F238E27FC236}">
+                <a16:creationId xmlns:a16="http://schemas.microsoft.com/office/drawing/2014/main" id="{946344F5-A755-4B78-884B-E6865C725D36}"/>
               </a:ext>
             </a:extLst>
           </p:cNvPr>
@@ -3995,9 +4035,9 @@
           </a:stretch>
         </p:blipFill>
         <p:spPr>
-          <a:xfrm rot="10800000">
-            <a:off x="3944612" y="195747"/>
-            <a:ext cx="4302775" cy="2482040"/>
+          <a:xfrm>
+            <a:off x="8486693" y="4147116"/>
+            <a:ext cx="2333625" cy="2657475"/>
           </a:xfrm>
           <a:prstGeom prst="rect">
             <a:avLst/>
@@ -4006,10 +4046,10 @@
       </p:pic>
       <p:pic>
         <p:nvPicPr>
-          <p:cNvPr id="7" name="Grafik 6">
-            <a:extLst>
-              <a:ext uri="{FF2B5EF4-FFF2-40B4-BE49-F238E27FC236}">
-                <a16:creationId xmlns:a16="http://schemas.microsoft.com/office/drawing/2014/main" id="{39C511C0-574B-4027-9A40-5A3CAF770420}"/>
+          <p:cNvPr id="13" name="Grafik 12">
+            <a:extLst>
+              <a:ext uri="{FF2B5EF4-FFF2-40B4-BE49-F238E27FC236}">
+                <a16:creationId xmlns:a16="http://schemas.microsoft.com/office/drawing/2014/main" id="{31484349-3960-4AAE-BD39-B7529B638458}"/>
               </a:ext>
             </a:extLst>
           </p:cNvPr>
@@ -4018,16 +4058,15 @@
           </p:cNvPicPr>
           <p:nvPr/>
         </p:nvPicPr>
-        <p:blipFill>
+        <p:blipFill rotWithShape="1">
           <a:blip r:embed="rId5"/>
-          <a:stretch>
-            <a:fillRect/>
-          </a:stretch>
+          <a:srcRect l="4165" r="1938"/>
+          <a:stretch/>
         </p:blipFill>
         <p:spPr>
-          <a:xfrm>
-            <a:off x="1616066" y="195747"/>
-            <a:ext cx="1763823" cy="1679608"/>
+          <a:xfrm rot="13462443">
+            <a:off x="8394468" y="589913"/>
+            <a:ext cx="3485366" cy="2711037"/>
           </a:xfrm>
           <a:prstGeom prst="rect">
             <a:avLst/>
@@ -4036,10 +4075,10 @@
       </p:pic>
       <p:pic>
         <p:nvPicPr>
-          <p:cNvPr id="8" name="Grafik 7">
-            <a:extLst>
-              <a:ext uri="{FF2B5EF4-FFF2-40B4-BE49-F238E27FC236}">
-                <a16:creationId xmlns:a16="http://schemas.microsoft.com/office/drawing/2014/main" id="{C4E4BB28-5EDC-424A-8E06-D1640AE3170D}"/>
+          <p:cNvPr id="6" name="Grafik 5">
+            <a:extLst>
+              <a:ext uri="{FF2B5EF4-FFF2-40B4-BE49-F238E27FC236}">
+                <a16:creationId xmlns:a16="http://schemas.microsoft.com/office/drawing/2014/main" id="{3959F832-97CD-4C5E-8397-36D937ECB8AF}"/>
               </a:ext>
             </a:extLst>
           </p:cNvPr>
@@ -4055,9 +4094,9 @@
           </a:stretch>
         </p:blipFill>
         <p:spPr>
-          <a:xfrm>
-            <a:off x="82424" y="98991"/>
-            <a:ext cx="1203545" cy="2032032"/>
+          <a:xfrm rot="10800000">
+            <a:off x="3944612" y="195747"/>
+            <a:ext cx="4302775" cy="2482040"/>
           </a:xfrm>
           <a:prstGeom prst="rect">
             <a:avLst/>
@@ -4066,10 +4105,10 @@
       </p:pic>
       <p:pic>
         <p:nvPicPr>
-          <p:cNvPr id="11" name="Grafik 10">
-            <a:extLst>
-              <a:ext uri="{FF2B5EF4-FFF2-40B4-BE49-F238E27FC236}">
-                <a16:creationId xmlns:a16="http://schemas.microsoft.com/office/drawing/2014/main" id="{BA12ED71-99B6-4233-BC6B-EE1125E022AC}"/>
+          <p:cNvPr id="8" name="Grafik 7">
+            <a:extLst>
+              <a:ext uri="{FF2B5EF4-FFF2-40B4-BE49-F238E27FC236}">
+                <a16:creationId xmlns:a16="http://schemas.microsoft.com/office/drawing/2014/main" id="{C4E4BB28-5EDC-424A-8E06-D1640AE3170D}"/>
               </a:ext>
             </a:extLst>
           </p:cNvPr>
@@ -4086,8 +4125,8 @@
         </p:blipFill>
         <p:spPr>
           <a:xfrm>
-            <a:off x="2824158" y="4307026"/>
-            <a:ext cx="4333875" cy="2295525"/>
+            <a:off x="82424" y="98991"/>
+            <a:ext cx="1203545" cy="2032032"/>
           </a:xfrm>
           <a:prstGeom prst="rect">
             <a:avLst/>
@@ -4096,10 +4135,10 @@
       </p:pic>
       <p:pic>
         <p:nvPicPr>
-          <p:cNvPr id="12" name="Grafik 11">
-            <a:extLst>
-              <a:ext uri="{FF2B5EF4-FFF2-40B4-BE49-F238E27FC236}">
-                <a16:creationId xmlns:a16="http://schemas.microsoft.com/office/drawing/2014/main" id="{333AC1E8-FD92-48B3-96C9-C041DA565CBA}"/>
+          <p:cNvPr id="11" name="Grafik 10">
+            <a:extLst>
+              <a:ext uri="{FF2B5EF4-FFF2-40B4-BE49-F238E27FC236}">
+                <a16:creationId xmlns:a16="http://schemas.microsoft.com/office/drawing/2014/main" id="{BA12ED71-99B6-4233-BC6B-EE1125E022AC}"/>
               </a:ext>
             </a:extLst>
           </p:cNvPr>
@@ -4116,6 +4155,36 @@
         </p:blipFill>
         <p:spPr>
           <a:xfrm>
+            <a:off x="2824158" y="4307026"/>
+            <a:ext cx="4333875" cy="2295525"/>
+          </a:xfrm>
+          <a:prstGeom prst="rect">
+            <a:avLst/>
+          </a:prstGeom>
+        </p:spPr>
+      </p:pic>
+      <p:pic>
+        <p:nvPicPr>
+          <p:cNvPr id="12" name="Grafik 11">
+            <a:extLst>
+              <a:ext uri="{FF2B5EF4-FFF2-40B4-BE49-F238E27FC236}">
+                <a16:creationId xmlns:a16="http://schemas.microsoft.com/office/drawing/2014/main" id="{333AC1E8-FD92-48B3-96C9-C041DA565CBA}"/>
+              </a:ext>
+            </a:extLst>
+          </p:cNvPr>
+          <p:cNvPicPr>
+            <a:picLocks noChangeAspect="1"/>
+          </p:cNvPicPr>
+          <p:nvPr/>
+        </p:nvPicPr>
+        <p:blipFill>
+          <a:blip r:embed="rId9"/>
+          <a:stretch>
+            <a:fillRect/>
+          </a:stretch>
+        </p:blipFill>
+        <p:spPr>
+          <a:xfrm>
             <a:off x="199005" y="3947628"/>
             <a:ext cx="2486025" cy="2714625"/>
           </a:xfrm>
@@ -4133,13 +4202,15 @@
               </a:ext>
             </a:extLst>
           </p:cNvPr>
-          <p:cNvCxnSpPr/>
+          <p:cNvCxnSpPr>
+            <a:cxnSpLocks/>
+          </p:cNvCxnSpPr>
           <p:nvPr/>
         </p:nvCxnSpPr>
         <p:spPr>
-          <a:xfrm>
-            <a:off x="3312367" y="1558212"/>
-            <a:ext cx="0" cy="774441"/>
+          <a:xfrm flipV="1">
+            <a:off x="3302006" y="869112"/>
+            <a:ext cx="0" cy="680288"/>
           </a:xfrm>
           <a:prstGeom prst="line">
             <a:avLst/>
@@ -4182,7 +4253,7 @@
         <p:spPr>
           <a:xfrm>
             <a:off x="763398" y="2332653"/>
-            <a:ext cx="2548969" cy="0"/>
+            <a:ext cx="2645253" cy="0"/>
           </a:xfrm>
           <a:prstGeom prst="line">
             <a:avLst/>
@@ -4399,51 +4470,8 @@
         </p:nvCxnSpPr>
         <p:spPr>
           <a:xfrm flipH="1">
-            <a:off x="3573652" y="956454"/>
-            <a:ext cx="597463" cy="0"/>
-          </a:xfrm>
-          <a:prstGeom prst="line">
-            <a:avLst/>
-          </a:prstGeom>
-          <a:ln w="38100">
-            <a:solidFill>
-              <a:schemeClr val="tx1"/>
-            </a:solidFill>
-          </a:ln>
-        </p:spPr>
-        <p:style>
-          <a:lnRef idx="1">
-            <a:schemeClr val="accent1"/>
-          </a:lnRef>
-          <a:fillRef idx="0">
-            <a:schemeClr val="accent1"/>
-          </a:fillRef>
-          <a:effectRef idx="0">
-            <a:schemeClr val="accent1"/>
-          </a:effectRef>
-          <a:fontRef idx="minor">
-            <a:schemeClr val="tx1"/>
-          </a:fontRef>
-        </p:style>
-      </p:cxnSp>
-      <p:cxnSp>
-        <p:nvCxnSpPr>
-          <p:cNvPr id="43" name="Gerader Verbinder 42">
-            <a:extLst>
-              <a:ext uri="{FF2B5EF4-FFF2-40B4-BE49-F238E27FC236}">
-                <a16:creationId xmlns:a16="http://schemas.microsoft.com/office/drawing/2014/main" id="{A3CBDED1-4243-4970-99B7-9D990D84BA06}"/>
-              </a:ext>
-            </a:extLst>
-          </p:cNvPr>
-          <p:cNvCxnSpPr>
-            <a:cxnSpLocks/>
-          </p:cNvCxnSpPr>
-          <p:nvPr/>
-        </p:nvCxnSpPr>
-        <p:spPr>
-          <a:xfrm flipV="1">
-            <a:off x="3573652" y="975826"/>
-            <a:ext cx="0" cy="747714"/>
+            <a:off x="3408651" y="956454"/>
+            <a:ext cx="762465" cy="0"/>
           </a:xfrm>
           <a:prstGeom prst="line">
             <a:avLst/>
@@ -4484,9 +4512,9 @@
           <p:nvPr/>
         </p:nvCxnSpPr>
         <p:spPr>
-          <a:xfrm flipV="1">
-            <a:off x="3312367" y="1702965"/>
-            <a:ext cx="261285" cy="8608"/>
+          <a:xfrm>
+            <a:off x="3398396" y="883686"/>
+            <a:ext cx="3385" cy="1451926"/>
           </a:xfrm>
           <a:prstGeom prst="line">
             <a:avLst/>
@@ -7113,6 +7141,62 @@
             <a:r>
               <a:rPr lang="de-DE" dirty="0"/>
               <a:t>HX711 ADC</a:t>
+            </a:r>
+          </a:p>
+        </p:txBody>
+      </p:sp>
+      <p:sp>
+        <p:nvSpPr>
+          <p:cNvPr id="86" name="Rechteck 85">
+            <a:extLst>
+              <a:ext uri="{FF2B5EF4-FFF2-40B4-BE49-F238E27FC236}">
+                <a16:creationId xmlns:a16="http://schemas.microsoft.com/office/drawing/2014/main" id="{3E5AC1F9-6EDF-4F69-9FDF-5342D376D5B3}"/>
+              </a:ext>
+            </a:extLst>
+          </p:cNvPr>
+          <p:cNvSpPr/>
+          <p:nvPr/>
+        </p:nvSpPr>
+        <p:spPr>
+          <a:xfrm>
+            <a:off x="3557990" y="64488"/>
+            <a:ext cx="940687" cy="588060"/>
+          </a:xfrm>
+          <a:prstGeom prst="rect">
+            <a:avLst/>
+          </a:prstGeom>
+        </p:spPr>
+        <p:style>
+          <a:lnRef idx="2">
+            <a:schemeClr val="accent1">
+              <a:shade val="50000"/>
+            </a:schemeClr>
+          </a:lnRef>
+          <a:fillRef idx="1">
+            <a:schemeClr val="accent1"/>
+          </a:fillRef>
+          <a:effectRef idx="0">
+            <a:schemeClr val="accent1"/>
+          </a:effectRef>
+          <a:fontRef idx="minor">
+            <a:schemeClr val="lt1"/>
+          </a:fontRef>
+        </p:style>
+        <p:txBody>
+          <a:bodyPr rtlCol="0" anchor="ctr"/>
+          <a:lstStyle/>
+          <a:p>
+            <a:pPr algn="ctr"/>
+            <a:r>
+              <a:rPr lang="de-DE" dirty="0"/>
+              <a:t>An/Aus</a:t>
+            </a:r>
+          </a:p>
+          <a:p>
+            <a:pPr algn="ctr"/>
+            <a:r>
+              <a:rPr lang="de-DE" dirty="0"/>
+              <a:t>Schalter</a:t>
             </a:r>
           </a:p>
         </p:txBody>
@@ -7426,21 +7510,6 @@
 </file>
 
 <file path=customXml/item1.xml><?xml version="1.0" encoding="utf-8"?>
-<p:properties xmlns:p="http://schemas.microsoft.com/office/2006/metadata/properties" xmlns:xsi="http://www.w3.org/2001/XMLSchema-instance" xmlns:pc="http://schemas.microsoft.com/office/infopath/2007/PartnerControls">
-  <documentManagement/>
-</p:properties>
-</file>
-
-<file path=customXml/item2.xml><?xml version="1.0" encoding="utf-8"?>
-<?mso-contentType ?>
-<FormTemplates xmlns="http://schemas.microsoft.com/sharepoint/v3/contenttype/forms">
-  <Display>DocumentLibraryForm</Display>
-  <Edit>DocumentLibraryForm</Edit>
-  <New>DocumentLibraryForm</New>
-</FormTemplates>
-</file>
-
-<file path=customXml/item3.xml><?xml version="1.0" encoding="utf-8"?>
 <ct:contentTypeSchema xmlns:ct="http://schemas.microsoft.com/office/2006/metadata/contentType" xmlns:ma="http://schemas.microsoft.com/office/2006/metadata/properties/metaAttributes" ct:_="" ma:_="" ma:contentTypeName="Dokument" ma:contentTypeID="0x010100FAB6BB809277ED40BB92687593C17E6A" ma:contentTypeVersion="10" ma:contentTypeDescription="Ein neues Dokument erstellen." ma:contentTypeScope="" ma:versionID="36174479abcc05c8cfb49f94bdb4d888">
   <xsd:schema xmlns:xsd="http://www.w3.org/2001/XMLSchema" xmlns:xs="http://www.w3.org/2001/XMLSchema" xmlns:p="http://schemas.microsoft.com/office/2006/metadata/properties" xmlns:ns3="d28452fb-1c22-47f8-97a7-46eaa8f384a5" targetNamespace="http://schemas.microsoft.com/office/2006/metadata/properties" ma:root="true" ma:fieldsID="67585c267d9603546b47103d35fe03e8" ns3:_="">
     <xsd:import namespace="d28452fb-1c22-47f8-97a7-46eaa8f384a5"/>
@@ -7624,24 +7693,22 @@
 </ct:contentTypeSchema>
 </file>
 
-<file path=customXml/itemProps1.xml><?xml version="1.0" encoding="utf-8"?>
-<ds:datastoreItem xmlns:ds="http://schemas.openxmlformats.org/officeDocument/2006/customXml" ds:itemID="{36C5095F-9894-4EC3-BFB5-CCF901793F55}">
-  <ds:schemaRefs>
-    <ds:schemaRef ds:uri="http://schemas.microsoft.com/office/2006/metadata/properties"/>
-    <ds:schemaRef ds:uri="http://schemas.microsoft.com/office/infopath/2007/PartnerControls"/>
-  </ds:schemaRefs>
-</ds:datastoreItem>
+<file path=customXml/item2.xml><?xml version="1.0" encoding="utf-8"?>
+<?mso-contentType ?>
+<FormTemplates xmlns="http://schemas.microsoft.com/sharepoint/v3/contenttype/forms">
+  <Display>DocumentLibraryForm</Display>
+  <Edit>DocumentLibraryForm</Edit>
+  <New>DocumentLibraryForm</New>
+</FormTemplates>
 </file>
 
-<file path=customXml/itemProps2.xml><?xml version="1.0" encoding="utf-8"?>
-<ds:datastoreItem xmlns:ds="http://schemas.openxmlformats.org/officeDocument/2006/customXml" ds:itemID="{EF279169-FC78-4EA7-A474-51F84FB7831E}">
-  <ds:schemaRefs>
-    <ds:schemaRef ds:uri="http://schemas.microsoft.com/sharepoint/v3/contenttype/forms"/>
-  </ds:schemaRefs>
-</ds:datastoreItem>
+<file path=customXml/item3.xml><?xml version="1.0" encoding="utf-8"?>
+<p:properties xmlns:p="http://schemas.microsoft.com/office/2006/metadata/properties" xmlns:xsi="http://www.w3.org/2001/XMLSchema-instance" xmlns:pc="http://schemas.microsoft.com/office/infopath/2007/PartnerControls">
+  <documentManagement/>
+</p:properties>
 </file>
 
-<file path=customXml/itemProps3.xml><?xml version="1.0" encoding="utf-8"?>
+<file path=customXml/itemProps1.xml><?xml version="1.0" encoding="utf-8"?>
 <ds:datastoreItem xmlns:ds="http://schemas.openxmlformats.org/officeDocument/2006/customXml" ds:itemID="{3AAE9124-3BC9-4262-8AFE-9093D2C1298F}">
   <ds:schemaRefs>
     <ds:schemaRef ds:uri="http://schemas.microsoft.com/office/2006/metadata/contentType"/>
@@ -7657,4 +7724,21 @@
     <ds:schemaRef ds:uri="http://schemas.microsoft.com/internal/obd"/>
   </ds:schemaRefs>
 </ds:datastoreItem>
+</file>
+
+<file path=customXml/itemProps2.xml><?xml version="1.0" encoding="utf-8"?>
+<ds:datastoreItem xmlns:ds="http://schemas.openxmlformats.org/officeDocument/2006/customXml" ds:itemID="{EF279169-FC78-4EA7-A474-51F84FB7831E}">
+  <ds:schemaRefs>
+    <ds:schemaRef ds:uri="http://schemas.microsoft.com/sharepoint/v3/contenttype/forms"/>
+  </ds:schemaRefs>
+</ds:datastoreItem>
+</file>
+
+<file path=customXml/itemProps3.xml><?xml version="1.0" encoding="utf-8"?>
+<ds:datastoreItem xmlns:ds="http://schemas.openxmlformats.org/officeDocument/2006/customXml" ds:itemID="{36C5095F-9894-4EC3-BFB5-CCF901793F55}">
+  <ds:schemaRefs>
+    <ds:schemaRef ds:uri="http://schemas.microsoft.com/office/2006/metadata/properties"/>
+    <ds:schemaRef ds:uri="http://schemas.microsoft.com/office/infopath/2007/PartnerControls"/>
+  </ds:schemaRefs>
+</ds:datastoreItem>
 </file>